--- a/class4/奇點第四堂.pptx
+++ b/class4/奇點第四堂.pptx
@@ -3004,6 +3004,30 @@
           </a:p>
         </p:txBody>
       </p:sp>
+      <p:pic>
+        <p:nvPicPr>
+          <p:cNvPr id="4" name="圖片 3"/>
+          <p:cNvPicPr>
+            <a:picLocks noChangeAspect="1"/>
+          </p:cNvPicPr>
+          <p:nvPr/>
+        </p:nvPicPr>
+        <p:blipFill>
+          <a:blip r:embed="rId2"/>
+          <a:stretch>
+            <a:fillRect/>
+          </a:stretch>
+        </p:blipFill>
+        <p:spPr>
+          <a:xfrm>
+            <a:off x="563170" y="597189"/>
+            <a:ext cx="7460701" cy="6260811"/>
+          </a:xfrm>
+          <a:prstGeom prst="rect">
+            <a:avLst/>
+          </a:prstGeom>
+        </p:spPr>
+      </p:pic>
     </p:spTree>
     <p:extLst>
       <p:ext uri="{BB962C8B-B14F-4D97-AF65-F5344CB8AC3E}">
@@ -3253,6 +3277,118 @@
           <a:lstStyle/>
           <a:p>
             <a:endParaRPr lang="zh-TW" altLang="en-US"/>
+          </a:p>
+        </p:txBody>
+      </p:sp>
+      <p:pic>
+        <p:nvPicPr>
+          <p:cNvPr id="4" name="圖片 3"/>
+          <p:cNvPicPr>
+            <a:picLocks noChangeAspect="1"/>
+          </p:cNvPicPr>
+          <p:nvPr/>
+        </p:nvPicPr>
+        <p:blipFill>
+          <a:blip r:embed="rId2"/>
+          <a:stretch>
+            <a:fillRect/>
+          </a:stretch>
+        </p:blipFill>
+        <p:spPr>
+          <a:xfrm>
+            <a:off x="2255757" y="120999"/>
+            <a:ext cx="7339084" cy="6510293"/>
+          </a:xfrm>
+          <a:prstGeom prst="rect">
+            <a:avLst/>
+          </a:prstGeom>
+        </p:spPr>
+      </p:pic>
+      <p:sp>
+        <p:nvSpPr>
+          <p:cNvPr id="5" name="文字方塊 4"/>
+          <p:cNvSpPr txBox="1"/>
+          <p:nvPr/>
+        </p:nvSpPr>
+        <p:spPr>
+          <a:xfrm>
+            <a:off x="9214884" y="1254642"/>
+            <a:ext cx="2041451" cy="1200329"/>
+          </a:xfrm>
+          <a:prstGeom prst="rect">
+            <a:avLst/>
+          </a:prstGeom>
+          <a:noFill/>
+        </p:spPr>
+        <p:txBody>
+          <a:bodyPr wrap="square" rtlCol="0">
+            <a:spAutoFit/>
+          </a:bodyPr>
+          <a:lstStyle/>
+          <a:p>
+            <a:r>
+              <a:rPr lang="en-US" altLang="zh-TW" dirty="0"/>
+              <a:t>for </a:t>
+            </a:r>
+            <a:r>
+              <a:rPr lang="en-US" altLang="zh-TW" dirty="0" err="1"/>
+              <a:t>i</a:t>
+            </a:r>
+            <a:r>
+              <a:rPr lang="en-US" altLang="zh-TW" dirty="0"/>
+              <a:t> in range(60):</a:t>
+            </a:r>
+          </a:p>
+          <a:p>
+            <a:r>
+              <a:rPr lang="en-US" altLang="zh-TW" dirty="0"/>
+              <a:t>    </a:t>
+            </a:r>
+            <a:r>
+              <a:rPr lang="en-US" altLang="zh-TW" dirty="0" err="1"/>
+              <a:t>t.forward</a:t>
+            </a:r>
+            <a:r>
+              <a:rPr lang="en-US" altLang="zh-TW" dirty="0"/>
+              <a:t>(</a:t>
+            </a:r>
+            <a:r>
+              <a:rPr lang="en-US" altLang="zh-TW" dirty="0" err="1"/>
+              <a:t>i</a:t>
+            </a:r>
+            <a:r>
+              <a:rPr lang="en-US" altLang="zh-TW" dirty="0"/>
+              <a:t> * 2)</a:t>
+            </a:r>
+          </a:p>
+          <a:p>
+            <a:r>
+              <a:rPr lang="en-US" altLang="zh-TW" dirty="0"/>
+              <a:t>    </a:t>
+            </a:r>
+            <a:r>
+              <a:rPr lang="en-US" altLang="zh-TW" dirty="0" err="1"/>
+              <a:t>t.stamp</a:t>
+            </a:r>
+            <a:r>
+              <a:rPr lang="en-US" altLang="zh-TW" dirty="0"/>
+              <a:t>()</a:t>
+            </a:r>
+          </a:p>
+          <a:p>
+            <a:r>
+              <a:rPr lang="en-US" altLang="zh-TW" dirty="0"/>
+              <a:t>    </a:t>
+            </a:r>
+            <a:r>
+              <a:rPr lang="en-US" altLang="zh-TW" dirty="0" err="1" smtClean="0"/>
+              <a:t>t.right</a:t>
+            </a:r>
+            <a:r>
+              <a:rPr lang="en-US" altLang="zh-TW" dirty="0" smtClean="0"/>
+              <a:t>(25)</a:t>
+            </a:r>
+            <a:endParaRPr lang="en-US" altLang="zh-TW" dirty="0"/>
           </a:p>
         </p:txBody>
       </p:sp>
